--- a/01.3D Printing.pptx
+++ b/01.3D Printing.pptx
@@ -766,7 +766,7 @@
           <a:p>
             <a:fld id="{A0A2E4AE-ABB6-48AA-93FD-F10463921B31}" type="datetimeFigureOut">
               <a:rPr lang="en-US" smtClean="0"/>
-              <a:t>2021-03-15</a:t>
+              <a:t>2022-03-14</a:t>
             </a:fld>
             <a:endParaRPr lang="en-US"/>
           </a:p>
@@ -955,7 +955,7 @@
           <a:p>
             <a:fld id="{A0A2E4AE-ABB6-48AA-93FD-F10463921B31}" type="datetimeFigureOut">
               <a:rPr lang="en-US" smtClean="0"/>
-              <a:t>2021-03-15</a:t>
+              <a:t>2022-03-14</a:t>
             </a:fld>
             <a:endParaRPr lang="en-US"/>
           </a:p>
@@ -1129,7 +1129,7 @@
           <a:p>
             <a:fld id="{A0A2E4AE-ABB6-48AA-93FD-F10463921B31}" type="datetimeFigureOut">
               <a:rPr lang="en-US" smtClean="0"/>
-              <a:t>2021-03-15</a:t>
+              <a:t>2022-03-14</a:t>
             </a:fld>
             <a:endParaRPr lang="en-US"/>
           </a:p>
@@ -1271,7 +1271,7 @@
           <a:p>
             <a:fld id="{A0A2E4AE-ABB6-48AA-93FD-F10463921B31}" type="datetimeFigureOut">
               <a:rPr lang="en-US" smtClean="0"/>
-              <a:t>2021-03-15</a:t>
+              <a:t>2022-03-14</a:t>
             </a:fld>
             <a:endParaRPr lang="en-US"/>
           </a:p>
@@ -1516,7 +1516,7 @@
           <a:p>
             <a:fld id="{A0A2E4AE-ABB6-48AA-93FD-F10463921B31}" type="datetimeFigureOut">
               <a:rPr lang="en-US" smtClean="0"/>
-              <a:t>2021-03-15</a:t>
+              <a:t>2022-03-14</a:t>
             </a:fld>
             <a:endParaRPr lang="en-US"/>
           </a:p>
@@ -1915,7 +1915,7 @@
           <a:p>
             <a:fld id="{A0A2E4AE-ABB6-48AA-93FD-F10463921B31}" type="datetimeFigureOut">
               <a:rPr lang="en-US" smtClean="0"/>
-              <a:t>2021-03-15</a:t>
+              <a:t>2022-03-14</a:t>
             </a:fld>
             <a:endParaRPr lang="en-US"/>
           </a:p>
@@ -2351,7 +2351,7 @@
           <a:p>
             <a:fld id="{A0A2E4AE-ABB6-48AA-93FD-F10463921B31}" type="datetimeFigureOut">
               <a:rPr lang="en-US" smtClean="0"/>
-              <a:t>2021-03-15</a:t>
+              <a:t>2022-03-14</a:t>
             </a:fld>
             <a:endParaRPr lang="en-US"/>
           </a:p>
@@ -2446,7 +2446,7 @@
           <a:p>
             <a:fld id="{A0A2E4AE-ABB6-48AA-93FD-F10463921B31}" type="datetimeFigureOut">
               <a:rPr lang="en-US" smtClean="0"/>
-              <a:t>2021-03-15</a:t>
+              <a:t>2022-03-14</a:t>
             </a:fld>
             <a:endParaRPr lang="en-US"/>
           </a:p>
@@ -2558,7 +2558,7 @@
           <a:p>
             <a:fld id="{A0A2E4AE-ABB6-48AA-93FD-F10463921B31}" type="datetimeFigureOut">
               <a:rPr lang="en-US" smtClean="0"/>
-              <a:t>2021-03-15</a:t>
+              <a:t>2022-03-14</a:t>
             </a:fld>
             <a:endParaRPr lang="en-US"/>
           </a:p>
@@ -2825,7 +2825,7 @@
           <a:p>
             <a:fld id="{A0A2E4AE-ABB6-48AA-93FD-F10463921B31}" type="datetimeFigureOut">
               <a:rPr lang="en-US" smtClean="0"/>
-              <a:t>2021-03-15</a:t>
+              <a:t>2022-03-14</a:t>
             </a:fld>
             <a:endParaRPr lang="en-US"/>
           </a:p>
@@ -3026,7 +3026,7 @@
           <a:p>
             <a:fld id="{A0A2E4AE-ABB6-48AA-93FD-F10463921B31}" type="datetimeFigureOut">
               <a:rPr lang="en-US" smtClean="0"/>
-              <a:t>2021-03-15</a:t>
+              <a:t>2022-03-14</a:t>
             </a:fld>
             <a:endParaRPr lang="en-US"/>
           </a:p>
@@ -4112,7 +4112,7 @@
           <a:p>
             <a:fld id="{A0A2E4AE-ABB6-48AA-93FD-F10463921B31}" type="datetimeFigureOut">
               <a:rPr lang="en-US" smtClean="0"/>
-              <a:t>2021-03-15</a:t>
+              <a:t>2022-03-14</a:t>
             </a:fld>
             <a:endParaRPr lang="en-US"/>
           </a:p>
@@ -5455,8 +5455,8 @@
         </p:blipFill>
         <p:spPr bwMode="auto">
           <a:xfrm>
-            <a:off x="4814340" y="3200400"/>
-            <a:ext cx="3948660" cy="2971800"/>
+            <a:off x="5190067" y="3048000"/>
+            <a:ext cx="3746165" cy="2819400"/>
           </a:xfrm>
           <a:prstGeom prst="rect">
             <a:avLst/>
